--- a/docs/design/封面.pptx
+++ b/docs/design/封面.pptx
@@ -6,6 +6,7 @@
   </p:sldMasterIdLst>
   <p:sldIdLst>
     <p:sldId id="256" r:id="rId2"/>
+    <p:sldId id="257" r:id="rId3"/>
   </p:sldIdLst>
   <p:sldSz cx="9144000" cy="6858000" type="screen4x3"/>
   <p:notesSz cx="6858000" cy="9144000"/>
@@ -3145,7 +3146,7 @@
         </p:blipFill>
         <p:spPr bwMode="auto">
           <a:xfrm>
-            <a:off x="3779912" y="908720"/>
+            <a:off x="1115616" y="1906244"/>
             <a:ext cx="1016496" cy="844648"/>
           </a:xfrm>
           <a:prstGeom prst="rect">
@@ -3171,8 +3172,8 @@
         </p:nvSpPr>
         <p:spPr>
           <a:xfrm>
-            <a:off x="2447474" y="1893460"/>
-            <a:ext cx="3945311" cy="1323439"/>
+            <a:off x="2267744" y="1974625"/>
+            <a:ext cx="5612434" cy="707886"/>
           </a:xfrm>
           <a:prstGeom prst="rect">
             <a:avLst/>
@@ -3197,9 +3198,6 @@
               </a:rPr>
               <a:t>Hikyuu </a:t>
             </a:r>
-          </a:p>
-          <a:p>
-            <a:pPr algn="ctr"/>
             <a:r>
               <a:rPr lang="en-US" altLang="zh-CN" sz="4000" b="1" dirty="0" smtClean="0">
                 <a:solidFill>
@@ -3209,7 +3207,18 @@
                 </a:solidFill>
                 <a:latin typeface="Baskerville Old Face" panose="02020602080505020303" pitchFamily="18" charset="0"/>
               </a:rPr>
-              <a:t>Quant Framework</a:t>
+              <a:t>Quant </a:t>
+            </a:r>
+            <a:r>
+              <a:rPr lang="en-US" altLang="zh-CN" sz="4000" b="1" dirty="0" smtClean="0">
+                <a:solidFill>
+                  <a:schemeClr val="accent1">
+                    <a:lumMod val="75000"/>
+                  </a:schemeClr>
+                </a:solidFill>
+                <a:latin typeface="Baskerville Old Face" panose="02020602080505020303" pitchFamily="18" charset="0"/>
+              </a:rPr>
+              <a:t>Framework</a:t>
             </a:r>
             <a:endParaRPr lang="zh-CN" altLang="en-US" sz="4000" b="1" dirty="0">
               <a:solidFill>
@@ -3222,10 +3231,282 @@
           </a:p>
         </p:txBody>
       </p:sp>
+      <p:pic>
+        <p:nvPicPr>
+          <p:cNvPr id="4" name="Picture 2" descr="https://timgsa.baidu.com/timg?image&amp;quality=80&amp;size=b10000_10000&amp;sec=1494127729&amp;di=63011b61fe4dc380155ac56e474b419a&amp;src=http://baike.haoyun666.com/uploads/201210/1349760439PsbCLUo6.jpg"/>
+          <p:cNvPicPr>
+            <a:picLocks noChangeAspect="1" noChangeArrowheads="1"/>
+          </p:cNvPicPr>
+          <p:nvPr/>
+        </p:nvPicPr>
+        <p:blipFill>
+          <a:blip r:embed="rId2" cstate="print">
+            <a:duotone>
+              <a:schemeClr val="accent1">
+                <a:shade val="45000"/>
+                <a:satMod val="135000"/>
+              </a:schemeClr>
+              <a:prstClr val="white"/>
+            </a:duotone>
+            <a:extLst>
+              <a:ext uri="{BEBA8EAE-BF5A-486C-A8C5-ECC9F3942E4B}">
+                <a14:imgProps xmlns:a14="http://schemas.microsoft.com/office/drawing/2010/main">
+                  <a14:imgLayer r:embed="rId3">
+                    <a14:imgEffect>
+                      <a14:backgroundRemoval t="0" b="98273" l="3190" r="98884">
+                        <a14:foregroundMark x1="38596" y1="8445" x2="38596" y2="8445"/>
+                        <a14:foregroundMark x1="65550" y1="24952" x2="65550" y2="24952"/>
+                        <a14:foregroundMark x1="52313" y1="47217" x2="52313" y2="47217"/>
+                        <a14:foregroundMark x1="68740" y1="85988" x2="68740" y2="85988"/>
+                        <a14:foregroundMark x1="35885" y1="15931" x2="35885" y2="15931"/>
+                        <a14:foregroundMark x1="8134" y1="13244" x2="8134" y2="13244"/>
+                        <a14:foregroundMark x1="8134" y1="13820" x2="3190" y2="13244"/>
+                        <a14:backgroundMark x1="35510" y1="12315" x2="35510" y2="12315"/>
+                        <a14:backgroundMark x1="3265" y1="12808" x2="3265" y2="12808"/>
+                        <a14:backgroundMark x1="8163" y1="15271" x2="8163" y2="15271"/>
+                      </a14:backgroundRemoval>
+                    </a14:imgEffect>
+                  </a14:imgLayer>
+                </a14:imgProps>
+              </a:ext>
+              <a:ext uri="{28A0092B-C50C-407E-A947-70E740481C1C}">
+                <a14:useLocalDpi xmlns:a14="http://schemas.microsoft.com/office/drawing/2010/main" val="0"/>
+              </a:ext>
+            </a:extLst>
+          </a:blip>
+          <a:srcRect/>
+          <a:stretch>
+            <a:fillRect/>
+          </a:stretch>
+        </p:blipFill>
+        <p:spPr bwMode="auto">
+          <a:xfrm>
+            <a:off x="759768" y="3717032"/>
+            <a:ext cx="1016496" cy="844648"/>
+          </a:xfrm>
+          <a:prstGeom prst="rect">
+            <a:avLst/>
+          </a:prstGeom>
+          <a:noFill/>
+          <a:extLst>
+            <a:ext uri="{909E8E84-426E-40DD-AFC4-6F175D3DCCD1}">
+              <a14:hiddenFill xmlns:a14="http://schemas.microsoft.com/office/drawing/2010/main">
+                <a:solidFill>
+                  <a:srgbClr val="FFFFFF"/>
+                </a:solidFill>
+              </a14:hiddenFill>
+            </a:ext>
+          </a:extLst>
+        </p:spPr>
+      </p:pic>
+      <p:sp>
+        <p:nvSpPr>
+          <p:cNvPr id="6" name="TextBox 5"/>
+          <p:cNvSpPr txBox="1"/>
+          <p:nvPr/>
+        </p:nvSpPr>
+        <p:spPr>
+          <a:xfrm>
+            <a:off x="1776264" y="3801234"/>
+            <a:ext cx="2752677" cy="707886"/>
+          </a:xfrm>
+          <a:prstGeom prst="rect">
+            <a:avLst/>
+          </a:prstGeom>
+          <a:noFill/>
+        </p:spPr>
+        <p:txBody>
+          <a:bodyPr wrap="none" rtlCol="0">
+            <a:spAutoFit/>
+          </a:bodyPr>
+          <a:lstStyle/>
+          <a:p>
+            <a:pPr algn="ctr"/>
+            <a:r>
+              <a:rPr lang="en-US" altLang="zh-CN" sz="4000" b="1" dirty="0" smtClean="0">
+                <a:solidFill>
+                  <a:schemeClr val="accent1">
+                    <a:lumMod val="75000"/>
+                  </a:schemeClr>
+                </a:solidFill>
+                <a:latin typeface="Baskerville Old Face" panose="02020602080505020303" pitchFamily="18" charset="0"/>
+              </a:rPr>
+              <a:t>Hikyuu</a:t>
+            </a:r>
+            <a:r>
+              <a:rPr lang="zh-CN" altLang="en-US" sz="4000" b="1" dirty="0" smtClean="0">
+                <a:solidFill>
+                  <a:schemeClr val="accent1">
+                    <a:lumMod val="75000"/>
+                  </a:schemeClr>
+                </a:solidFill>
+                <a:latin typeface="Baskerville Old Face" panose="02020602080505020303" pitchFamily="18" charset="0"/>
+              </a:rPr>
+              <a:t>简介</a:t>
+            </a:r>
+            <a:endParaRPr lang="zh-CN" altLang="en-US" sz="4000" b="1" dirty="0">
+              <a:solidFill>
+                <a:schemeClr val="accent1">
+                  <a:lumMod val="75000"/>
+                </a:schemeClr>
+              </a:solidFill>
+              <a:latin typeface="Baskerville Old Face" panose="02020602080505020303" pitchFamily="18" charset="0"/>
+            </a:endParaRPr>
+          </a:p>
+        </p:txBody>
+      </p:sp>
     </p:spTree>
     <p:extLst>
       <p:ext uri="{BB962C8B-B14F-4D97-AF65-F5344CB8AC3E}">
         <p14:creationId xmlns:p14="http://schemas.microsoft.com/office/powerpoint/2010/main" val="3541987716"/>
+      </p:ext>
+    </p:extLst>
+  </p:cSld>
+  <p:clrMapOvr>
+    <a:masterClrMapping/>
+  </p:clrMapOvr>
+</p:sld>
+</file>
+
+<file path=ppt/slides/slide2.xml><?xml version="1.0" encoding="utf-8"?>
+<p:sld xmlns:a="http://schemas.openxmlformats.org/drawingml/2006/main" xmlns:r="http://schemas.openxmlformats.org/officeDocument/2006/relationships" xmlns:p="http://schemas.openxmlformats.org/presentationml/2006/main">
+  <p:cSld>
+    <p:spTree>
+      <p:nvGrpSpPr>
+        <p:cNvPr id="1" name=""/>
+        <p:cNvGrpSpPr/>
+        <p:nvPr/>
+      </p:nvGrpSpPr>
+      <p:grpSpPr>
+        <a:xfrm>
+          <a:off x="0" y="0"/>
+          <a:ext cx="0" cy="0"/>
+          <a:chOff x="0" y="0"/>
+          <a:chExt cx="0" cy="0"/>
+        </a:xfrm>
+      </p:grpSpPr>
+      <p:pic>
+        <p:nvPicPr>
+          <p:cNvPr id="2" name="Picture 2" descr="https://timgsa.baidu.com/timg?image&amp;quality=80&amp;size=b10000_10000&amp;sec=1494127729&amp;di=63011b61fe4dc380155ac56e474b419a&amp;src=http://baike.haoyun666.com/uploads/201210/1349760439PsbCLUo6.jpg"/>
+          <p:cNvPicPr>
+            <a:picLocks noChangeAspect="1" noChangeArrowheads="1"/>
+          </p:cNvPicPr>
+          <p:nvPr/>
+        </p:nvPicPr>
+        <p:blipFill>
+          <a:blip r:embed="rId2" cstate="print">
+            <a:duotone>
+              <a:schemeClr val="accent1">
+                <a:shade val="45000"/>
+                <a:satMod val="135000"/>
+              </a:schemeClr>
+              <a:prstClr val="white"/>
+            </a:duotone>
+            <a:extLst>
+              <a:ext uri="{28A0092B-C50C-407E-A947-70E740481C1C}">
+                <a14:useLocalDpi xmlns:a14="http://schemas.microsoft.com/office/drawing/2010/main" val="0"/>
+              </a:ext>
+            </a:extLst>
+          </a:blip>
+          <a:srcRect/>
+          <a:stretch>
+            <a:fillRect/>
+          </a:stretch>
+        </p:blipFill>
+        <p:spPr bwMode="auto">
+          <a:xfrm>
+            <a:off x="174874" y="1881980"/>
+            <a:ext cx="1515135" cy="1258988"/>
+          </a:xfrm>
+          <a:prstGeom prst="rect">
+            <a:avLst/>
+          </a:prstGeom>
+          <a:noFill/>
+          <a:ln>
+            <a:noFill/>
+          </a:ln>
+          <a:extLst>
+            <a:ext uri="{909E8E84-426E-40DD-AFC4-6F175D3DCCD1}">
+              <a14:hiddenFill xmlns:a14="http://schemas.microsoft.com/office/drawing/2010/main">
+                <a:solidFill>
+                  <a:srgbClr val="FFFFFF"/>
+                </a:solidFill>
+              </a14:hiddenFill>
+            </a:ext>
+          </a:extLst>
+        </p:spPr>
+      </p:pic>
+      <p:sp>
+        <p:nvSpPr>
+          <p:cNvPr id="3" name="TextBox 2"/>
+          <p:cNvSpPr txBox="1"/>
+          <p:nvPr/>
+        </p:nvSpPr>
+        <p:spPr>
+          <a:xfrm>
+            <a:off x="1706345" y="2006150"/>
+            <a:ext cx="6700873" cy="830997"/>
+          </a:xfrm>
+          <a:prstGeom prst="rect">
+            <a:avLst/>
+          </a:prstGeom>
+          <a:noFill/>
+        </p:spPr>
+        <p:txBody>
+          <a:bodyPr wrap="none" rtlCol="0">
+            <a:spAutoFit/>
+          </a:bodyPr>
+          <a:lstStyle/>
+          <a:p>
+            <a:pPr algn="ctr"/>
+            <a:r>
+              <a:rPr lang="en-US" altLang="zh-CN" sz="4800" b="1" dirty="0" smtClean="0">
+                <a:solidFill>
+                  <a:schemeClr val="bg1">
+                    <a:lumMod val="95000"/>
+                  </a:schemeClr>
+                </a:solidFill>
+                <a:latin typeface="Baskerville Old Face" panose="02020602080505020303" pitchFamily="18" charset="0"/>
+              </a:rPr>
+              <a:t>Hikyuu </a:t>
+            </a:r>
+            <a:r>
+              <a:rPr lang="en-US" altLang="zh-CN" sz="4800" b="1" dirty="0" smtClean="0">
+                <a:solidFill>
+                  <a:schemeClr val="bg1">
+                    <a:lumMod val="95000"/>
+                  </a:schemeClr>
+                </a:solidFill>
+                <a:latin typeface="Baskerville Old Face" panose="02020602080505020303" pitchFamily="18" charset="0"/>
+              </a:rPr>
+              <a:t>Quant </a:t>
+            </a:r>
+            <a:r>
+              <a:rPr lang="en-US" altLang="zh-CN" sz="4800" b="1" dirty="0" smtClean="0">
+                <a:solidFill>
+                  <a:schemeClr val="bg1">
+                    <a:lumMod val="95000"/>
+                  </a:schemeClr>
+                </a:solidFill>
+                <a:latin typeface="Baskerville Old Face" panose="02020602080505020303" pitchFamily="18" charset="0"/>
+              </a:rPr>
+              <a:t>Framework</a:t>
+            </a:r>
+            <a:endParaRPr lang="zh-CN" altLang="en-US" sz="4800" b="1" dirty="0">
+              <a:solidFill>
+                <a:schemeClr val="bg1">
+                  <a:lumMod val="95000"/>
+                </a:schemeClr>
+              </a:solidFill>
+              <a:latin typeface="Baskerville Old Face" panose="02020602080505020303" pitchFamily="18" charset="0"/>
+            </a:endParaRPr>
+          </a:p>
+        </p:txBody>
+      </p:sp>
+    </p:spTree>
+    <p:extLst>
+      <p:ext uri="{BB962C8B-B14F-4D97-AF65-F5344CB8AC3E}">
+        <p14:creationId xmlns:p14="http://schemas.microsoft.com/office/powerpoint/2010/main" val="1507864955"/>
       </p:ext>
     </p:extLst>
   </p:cSld>
